--- a/Ноев-Сафин.pptx
+++ b/Ноев-Сафин.pptx
@@ -4579,7 +4579,7 @@
         </p:blipFill>
         <p:spPr bwMode="auto">
           <a:xfrm flipH="0" flipV="0">
-            <a:off x="3020400" y="2526599"/>
+            <a:off x="3020400" y="2526598"/>
             <a:ext cx="6040800" cy="3397949"/>
           </a:xfrm>
           <a:prstGeom prst="rect">
@@ -5611,7 +5611,7 @@
         </p:nvSpPr>
         <p:spPr bwMode="auto">
           <a:xfrm flipH="0" flipV="0">
-            <a:off x="136566" y="63552"/>
+            <a:off x="136566" y="879980"/>
             <a:ext cx="7047231" cy="984196"/>
           </a:xfrm>
         </p:spPr>
@@ -5630,7 +5630,235 @@
                   <a:schemeClr val="bg1"/>
                 </a:solidFill>
               </a:rPr>
-              <a:t>достоинства и недостатки:</a:t>
+              <a:t>достоинства и перспективы развития:</a:t>
+            </a:r>
+            <a:endParaRPr lang="ru-RU" sz="4400">
+              <a:solidFill>
+                <a:schemeClr val="bg1"/>
+              </a:solidFill>
+            </a:endParaRPr>
+          </a:p>
+        </p:txBody>
+      </p:sp>
+      <p:sp>
+        <p:nvSpPr>
+          <p:cNvPr id="1090489975" name="Заголовок 1"/>
+          <p:cNvSpPr>
+            <a:spLocks noGrp="1"/>
+          </p:cNvSpPr>
+          <p:nvPr/>
+        </p:nvSpPr>
+        <p:spPr bwMode="auto">
+          <a:xfrm flipH="0" flipV="0">
+            <a:off x="313458" y="2199611"/>
+            <a:ext cx="7047230" cy="984195"/>
+          </a:xfrm>
+        </p:spPr>
+        <p:txBody>
+          <a:bodyPr vertOverflow="overflow" horzOverflow="overflow" vert="horz" wrap="square" lIns="0" tIns="0" rIns="0" bIns="0" numCol="1" spcCol="0" rtlCol="0" fromWordArt="0" anchor="b" anchorCtr="0" forceAA="0" upright="0" compatLnSpc="0">
+            <a:normAutofit fontScale="80000" lnSpcReduction="4000"/>
+          </a:bodyPr>
+          <a:lstStyle>
+            <a:lvl1pPr algn="ctr" defTabSz="914400">
+              <a:lnSpc>
+                <a:spcPct val="100000"/>
+              </a:lnSpc>
+              <a:spcBef>
+                <a:spcPts val="0"/>
+              </a:spcBef>
+              <a:buNone/>
+              <a:defRPr sz="4000" b="1" i="0" cap="all" spc="749">
+                <a:solidFill>
+                  <a:schemeClr val="tx1"/>
+                </a:solidFill>
+                <a:latin typeface="+mj-lt"/>
+                <a:ea typeface="+mj-ea"/>
+                <a:cs typeface="+mj-cs"/>
+              </a:defRPr>
+            </a:lvl1pPr>
+          </a:lstStyle>
+          <a:p>
+            <a:pPr algn="l">
+              <a:defRPr/>
+            </a:pPr>
+            <a:r>
+              <a:rPr lang="ru-RU" sz="4400">
+                <a:solidFill>
+                  <a:schemeClr val="bg1"/>
+                </a:solidFill>
+              </a:rPr>
+              <a:t>*Интерфейс user frendly</a:t>
+            </a:r>
+            <a:endParaRPr lang="ru-RU" sz="4400">
+              <a:solidFill>
+                <a:schemeClr val="bg1"/>
+              </a:solidFill>
+            </a:endParaRPr>
+          </a:p>
+        </p:txBody>
+      </p:sp>
+      <p:sp>
+        <p:nvSpPr>
+          <p:cNvPr id="2123211882" name="Заголовок 1"/>
+          <p:cNvSpPr>
+            <a:spLocks noGrp="1"/>
+          </p:cNvSpPr>
+          <p:nvPr/>
+        </p:nvSpPr>
+        <p:spPr bwMode="auto">
+          <a:xfrm flipH="0" flipV="0">
+            <a:off x="313457" y="3428998"/>
+            <a:ext cx="7047230" cy="984195"/>
+          </a:xfrm>
+        </p:spPr>
+        <p:txBody>
+          <a:bodyPr vertOverflow="overflow" horzOverflow="overflow" vert="horz" wrap="square" lIns="0" tIns="0" rIns="0" bIns="0" numCol="1" spcCol="0" rtlCol="0" fromWordArt="0" anchor="b" anchorCtr="0" forceAA="0" upright="0" compatLnSpc="0">
+            <a:normAutofit fontScale="80000" lnSpcReduction="4000"/>
+          </a:bodyPr>
+          <a:lstStyle>
+            <a:lvl1pPr algn="ctr" defTabSz="914400">
+              <a:lnSpc>
+                <a:spcPct val="100000"/>
+              </a:lnSpc>
+              <a:spcBef>
+                <a:spcPts val="0"/>
+              </a:spcBef>
+              <a:buNone/>
+              <a:defRPr sz="4000" b="1" i="0" cap="all" spc="749">
+                <a:solidFill>
+                  <a:schemeClr val="tx1"/>
+                </a:solidFill>
+                <a:latin typeface="+mj-lt"/>
+                <a:ea typeface="+mj-ea"/>
+                <a:cs typeface="+mj-cs"/>
+              </a:defRPr>
+            </a:lvl1pPr>
+          </a:lstStyle>
+          <a:p>
+            <a:pPr algn="l">
+              <a:defRPr/>
+            </a:pPr>
+            <a:r>
+              <a:rPr lang="ru-RU" sz="4400">
+                <a:solidFill>
+                  <a:schemeClr val="bg1"/>
+                </a:solidFill>
+              </a:rPr>
+              <a:t>*Развитие сюжета, мелкие доработки</a:t>
+            </a:r>
+            <a:endParaRPr lang="ru-RU" sz="4400">
+              <a:solidFill>
+                <a:schemeClr val="bg1"/>
+              </a:solidFill>
+            </a:endParaRPr>
+          </a:p>
+        </p:txBody>
+      </p:sp>
+      <p:sp>
+        <p:nvSpPr>
+          <p:cNvPr id="1483653730" name="Заголовок 1"/>
+          <p:cNvSpPr>
+            <a:spLocks noGrp="1"/>
+          </p:cNvSpPr>
+          <p:nvPr/>
+        </p:nvSpPr>
+        <p:spPr bwMode="auto">
+          <a:xfrm flipH="0" flipV="0">
+            <a:off x="313458" y="4208706"/>
+            <a:ext cx="7416792" cy="1138636"/>
+          </a:xfrm>
+        </p:spPr>
+        <p:txBody>
+          <a:bodyPr vertOverflow="overflow" horzOverflow="overflow" vert="horz" wrap="square" lIns="0" tIns="0" rIns="0" bIns="0" numCol="1" spcCol="0" rtlCol="0" fromWordArt="0" anchor="b" anchorCtr="0" forceAA="0" upright="0" compatLnSpc="0">
+            <a:normAutofit fontScale="65000" lnSpcReduction="7000"/>
+          </a:bodyPr>
+          <a:lstStyle>
+            <a:lvl1pPr algn="ctr" defTabSz="914400">
+              <a:lnSpc>
+                <a:spcPct val="100000"/>
+              </a:lnSpc>
+              <a:spcBef>
+                <a:spcPts val="0"/>
+              </a:spcBef>
+              <a:buNone/>
+              <a:defRPr sz="4000" b="1" i="0" cap="all" spc="749">
+                <a:solidFill>
+                  <a:schemeClr val="tx1"/>
+                </a:solidFill>
+                <a:latin typeface="+mj-lt"/>
+                <a:ea typeface="+mj-ea"/>
+                <a:cs typeface="+mj-cs"/>
+              </a:defRPr>
+            </a:lvl1pPr>
+          </a:lstStyle>
+          <a:p>
+            <a:pPr algn="l">
+              <a:defRPr/>
+            </a:pPr>
+            <a:r>
+              <a:rPr lang="ru-RU" sz="4400">
+                <a:solidFill>
+                  <a:schemeClr val="bg1"/>
+                </a:solidFill>
+              </a:rPr>
+              <a:t>*увеличение количества уровней и их разнообразие</a:t>
+            </a:r>
+            <a:endParaRPr lang="ru-RU" sz="4400">
+              <a:solidFill>
+                <a:schemeClr val="bg1"/>
+              </a:solidFill>
+            </a:endParaRPr>
+          </a:p>
+        </p:txBody>
+      </p:sp>
+      <p:sp>
+        <p:nvSpPr>
+          <p:cNvPr id="1820365089" name="Заголовок 1"/>
+          <p:cNvSpPr>
+            <a:spLocks noGrp="1"/>
+          </p:cNvSpPr>
+          <p:nvPr/>
+        </p:nvSpPr>
+        <p:spPr bwMode="auto">
+          <a:xfrm flipH="0" flipV="0">
+            <a:off x="313457" y="5347342"/>
+            <a:ext cx="6750041" cy="652878"/>
+          </a:xfrm>
+        </p:spPr>
+        <p:txBody>
+          <a:bodyPr vertOverflow="overflow" horzOverflow="overflow" vert="horz" wrap="square" lIns="0" tIns="0" rIns="0" bIns="0" numCol="1" spcCol="0" rtlCol="0" fromWordArt="0" anchor="b" anchorCtr="0" forceAA="0" upright="0" compatLnSpc="0">
+            <a:normAutofit fontScale="80000" lnSpcReduction="4000"/>
+          </a:bodyPr>
+          <a:lstStyle>
+            <a:lvl1pPr algn="ctr" defTabSz="914400">
+              <a:lnSpc>
+                <a:spcPct val="100000"/>
+              </a:lnSpc>
+              <a:spcBef>
+                <a:spcPts val="0"/>
+              </a:spcBef>
+              <a:buNone/>
+              <a:defRPr sz="4000" b="1" i="0" cap="all" spc="749">
+                <a:solidFill>
+                  <a:schemeClr val="tx1"/>
+                </a:solidFill>
+                <a:latin typeface="+mj-lt"/>
+                <a:ea typeface="+mj-ea"/>
+                <a:cs typeface="+mj-cs"/>
+              </a:defRPr>
+            </a:lvl1pPr>
+          </a:lstStyle>
+          <a:p>
+            <a:pPr algn="l">
+              <a:defRPr/>
+            </a:pPr>
+            <a:r>
+              <a:rPr lang="ru-RU" sz="4400">
+                <a:solidFill>
+                  <a:schemeClr val="bg1"/>
+                </a:solidFill>
+              </a:rPr>
+              <a:t>*трогательный сюжет</a:t>
             </a:r>
             <a:endParaRPr lang="ru-RU" sz="4400">
               <a:solidFill>
